--- a/GettingStartedWithGithub.pptx
+++ b/GettingStartedWithGithub.pptx
@@ -5,7 +5,7 @@
     <p:sldMasterId id="2147483648" r:id="rId4"/>
   </p:sldMasterIdLst>
   <p:notesMasterIdLst>
-    <p:notesMasterId r:id="rId23"/>
+    <p:notesMasterId r:id="rId24"/>
   </p:notesMasterIdLst>
   <p:sldIdLst>
     <p:sldId id="256" r:id="rId5"/>
@@ -25,7 +25,8 @@
     <p:sldId id="274" r:id="rId19"/>
     <p:sldId id="275" r:id="rId20"/>
     <p:sldId id="276" r:id="rId21"/>
-    <p:sldId id="263" r:id="rId22"/>
+    <p:sldId id="277" r:id="rId22"/>
+    <p:sldId id="263" r:id="rId23"/>
   </p:sldIdLst>
   <p:sldSz cx="12192000" cy="6858000"/>
   <p:notesSz cx="6858000" cy="9144000"/>
@@ -13051,6 +13052,100 @@
 <file path=ppt/slides/slide18.xml><?xml version="1.0" encoding="utf-8"?>
 <p:sld xmlns:a="http://schemas.openxmlformats.org/drawingml/2006/main" xmlns:r="http://schemas.openxmlformats.org/officeDocument/2006/relationships" xmlns:p="http://schemas.openxmlformats.org/presentationml/2006/main">
   <p:cSld>
+    <p:spTree>
+      <p:nvGrpSpPr>
+        <p:cNvPr id="1" name=""/>
+        <p:cNvGrpSpPr/>
+        <p:nvPr/>
+      </p:nvGrpSpPr>
+      <p:grpSpPr>
+        <a:xfrm>
+          <a:off x="0" y="0"/>
+          <a:ext cx="0" cy="0"/>
+          <a:chOff x="0" y="0"/>
+          <a:chExt cx="0" cy="0"/>
+        </a:xfrm>
+      </p:grpSpPr>
+      <p:sp>
+        <p:nvSpPr>
+          <p:cNvPr id="2" name="Title 1">
+            <a:extLst>
+              <a:ext uri="{FF2B5EF4-FFF2-40B4-BE49-F238E27FC236}">
+                <a16:creationId xmlns:a16="http://schemas.microsoft.com/office/drawing/2014/main" id="{8035DBD8-E08E-4E14-8C3B-6CE98181277A}"/>
+              </a:ext>
+            </a:extLst>
+          </p:cNvPr>
+          <p:cNvSpPr>
+            <a:spLocks noGrp="1"/>
+          </p:cNvSpPr>
+          <p:nvPr>
+            <p:ph type="title"/>
+          </p:nvPr>
+        </p:nvSpPr>
+        <p:spPr/>
+        <p:txBody>
+          <a:bodyPr/>
+          <a:lstStyle/>
+          <a:p>
+            <a:r>
+              <a:rPr lang="es-MX"/>
+              <a:t>Hola a todos </a:t>
+            </a:r>
+            <a:r>
+              <a:rPr lang="es-MX">
+                <a:sym typeface="Wingdings" panose="05000000000000000000" pitchFamily="2" charset="2"/>
+              </a:rPr>
+              <a:t></a:t>
+            </a:r>
+            <a:endParaRPr lang="es-MX"/>
+          </a:p>
+        </p:txBody>
+      </p:sp>
+      <p:pic>
+        <p:nvPicPr>
+          <p:cNvPr id="5" name="Content Placeholder 4">
+            <a:extLst>
+              <a:ext uri="{FF2B5EF4-FFF2-40B4-BE49-F238E27FC236}">
+                <a16:creationId xmlns:a16="http://schemas.microsoft.com/office/drawing/2014/main" id="{DDBAB03D-6F75-47FD-92CE-C792F5407C7F}"/>
+              </a:ext>
+            </a:extLst>
+          </p:cNvPr>
+          <p:cNvPicPr>
+            <a:picLocks noGrp="1" noChangeAspect="1"/>
+          </p:cNvPicPr>
+          <p:nvPr>
+            <p:ph idx="1"/>
+          </p:nvPr>
+        </p:nvPicPr>
+        <p:blipFill>
+          <a:blip r:embed="rId2"/>
+          <a:stretch>
+            <a:fillRect/>
+          </a:stretch>
+        </p:blipFill>
+        <p:spPr>
+          <a:xfrm>
+            <a:off x="2228144" y="1825625"/>
+            <a:ext cx="7735712" cy="4351338"/>
+          </a:xfrm>
+        </p:spPr>
+      </p:pic>
+    </p:spTree>
+    <p:extLst>
+      <p:ext uri="{BB962C8B-B14F-4D97-AF65-F5344CB8AC3E}">
+        <p14:creationId xmlns:p14="http://schemas.microsoft.com/office/powerpoint/2010/main" val="4136975122"/>
+      </p:ext>
+    </p:extLst>
+  </p:cSld>
+  <p:clrMapOvr>
+    <a:masterClrMapping/>
+  </p:clrMapOvr>
+</p:sld>
+</file>
+
+<file path=ppt/slides/slide19.xml><?xml version="1.0" encoding="utf-8"?>
+<p:sld xmlns:a="http://schemas.openxmlformats.org/drawingml/2006/main" xmlns:r="http://schemas.openxmlformats.org/officeDocument/2006/relationships" xmlns:p="http://schemas.openxmlformats.org/presentationml/2006/main">
+  <p:cSld>
     <p:bg>
       <p:bgPr>
         <a:solidFill>
@@ -17398,15 +17493,6 @@
 </file>
 
 <file path=customXml/item1.xml><?xml version="1.0" encoding="utf-8"?>
-<?mso-contentType ?>
-<FormTemplates xmlns="http://schemas.microsoft.com/sharepoint/v3/contenttype/forms">
-  <Display>DocumentLibraryForm</Display>
-  <Edit>DocumentLibraryForm</Edit>
-  <New>DocumentLibraryForm</New>
-</FormTemplates>
-</file>
-
-<file path=customXml/item2.xml><?xml version="1.0" encoding="utf-8"?>
 <ct:contentTypeSchema xmlns:ct="http://schemas.microsoft.com/office/2006/metadata/contentType" xmlns:ma="http://schemas.microsoft.com/office/2006/metadata/properties/metaAttributes" ct:_="" ma:_="" ma:contentTypeName="Document" ma:contentTypeID="0x01010079F111ED35F8CC479449609E8A0923A6" ma:contentTypeVersion="11" ma:contentTypeDescription="Create a new document." ma:contentTypeScope="" ma:versionID="96291512c1ee715ab617f4c07df79fc1">
   <xsd:schema xmlns:xsd="http://www.w3.org/2001/XMLSchema" xmlns:xs="http://www.w3.org/2001/XMLSchema" xmlns:p="http://schemas.microsoft.com/office/2006/metadata/properties" xmlns:ns2="71af3243-3dd4-4a8d-8c0d-dd76da1f02a5" xmlns:ns3="16c05727-aa75-4e4a-9b5f-8a80a1165891" targetNamespace="http://schemas.microsoft.com/office/2006/metadata/properties" ma:root="true" ma:fieldsID="8256c27c40ca5c40ce1cf6c44f0205df" ns2:_="" ns3:_="">
     <xsd:import namespace="71af3243-3dd4-4a8d-8c0d-dd76da1f02a5"/>
@@ -17617,6 +17703,15 @@
 </ct:contentTypeSchema>
 </file>
 
+<file path=customXml/item2.xml><?xml version="1.0" encoding="utf-8"?>
+<?mso-contentType ?>
+<FormTemplates xmlns="http://schemas.microsoft.com/sharepoint/v3/contenttype/forms">
+  <Display>DocumentLibraryForm</Display>
+  <Edit>DocumentLibraryForm</Edit>
+  <New>DocumentLibraryForm</New>
+</FormTemplates>
+</file>
+
 <file path=customXml/item3.xml><?xml version="1.0" encoding="utf-8"?>
 <p:properties xmlns:p="http://schemas.microsoft.com/office/2006/metadata/properties" xmlns:xsi="http://www.w3.org/2001/XMLSchema-instance" xmlns:pc="http://schemas.microsoft.com/office/infopath/2007/PartnerControls">
   <documentManagement>
@@ -17626,14 +17721,6 @@
 </file>
 
 <file path=customXml/itemProps1.xml><?xml version="1.0" encoding="utf-8"?>
-<ds:datastoreItem xmlns:ds="http://schemas.openxmlformats.org/officeDocument/2006/customXml" ds:itemID="{604BA817-A03C-4EA3-86C4-6E42BD37F523}">
-  <ds:schemaRefs>
-    <ds:schemaRef ds:uri="http://schemas.microsoft.com/sharepoint/v3/contenttype/forms"/>
-  </ds:schemaRefs>
-</ds:datastoreItem>
-</file>
-
-<file path=customXml/itemProps2.xml><?xml version="1.0" encoding="utf-8"?>
 <ds:datastoreItem xmlns:ds="http://schemas.openxmlformats.org/officeDocument/2006/customXml" ds:itemID="{19E59094-1E6F-42D5-A62B-D0344AFFFACC}">
   <ds:schemaRefs>
     <ds:schemaRef ds:uri="http://schemas.microsoft.com/office/2006/metadata/contentType"/>
@@ -17652,6 +17739,14 @@
 </ds:datastoreItem>
 </file>
 
+<file path=customXml/itemProps2.xml><?xml version="1.0" encoding="utf-8"?>
+<ds:datastoreItem xmlns:ds="http://schemas.openxmlformats.org/officeDocument/2006/customXml" ds:itemID="{604BA817-A03C-4EA3-86C4-6E42BD37F523}">
+  <ds:schemaRefs>
+    <ds:schemaRef ds:uri="http://schemas.microsoft.com/sharepoint/v3/contenttype/forms"/>
+  </ds:schemaRefs>
+</ds:datastoreItem>
+</file>
+
 <file path=customXml/itemProps3.xml><?xml version="1.0" encoding="utf-8"?>
 <ds:datastoreItem xmlns:ds="http://schemas.openxmlformats.org/officeDocument/2006/customXml" ds:itemID="{D0096A91-93C8-4C7A-BF68-944591874A6D}">
   <ds:schemaRefs>

--- a/GettingStartedWithGithub.pptx
+++ b/GettingStartedWithGithub.pptx
@@ -9544,7 +9544,7 @@
         </p:spPr>
         <p:txBody>
           <a:bodyPr>
-            <a:normAutofit/>
+            <a:normAutofit fontScale="70000" lnSpcReduction="20000"/>
           </a:bodyPr>
           <a:lstStyle/>
           <a:p>
@@ -9558,6 +9558,19 @@
                 <a:cs typeface="Tahoma" panose="020B0604030504040204" pitchFamily="34" charset="0"/>
               </a:rPr>
               <a:t>By Alejandro Lozano</a:t>
+            </a:r>
+          </a:p>
+          <a:p>
+            <a:r>
+              <a:rPr lang="en-US" sz="2800" dirty="0">
+                <a:solidFill>
+                  <a:schemeClr val="bg1"/>
+                </a:solidFill>
+                <a:latin typeface="Tahoma" panose="020B0604030504040204" pitchFamily="34" charset="0"/>
+                <a:ea typeface="Tahoma" panose="020B0604030504040204" pitchFamily="34" charset="0"/>
+                <a:cs typeface="Tahoma" panose="020B0604030504040204" pitchFamily="34" charset="0"/>
+              </a:rPr>
+              <a:t>05/04/2021</a:t>
             </a:r>
           </a:p>
         </p:txBody>
@@ -17493,6 +17506,15 @@
 </file>
 
 <file path=customXml/item1.xml><?xml version="1.0" encoding="utf-8"?>
+<?mso-contentType ?>
+<FormTemplates xmlns="http://schemas.microsoft.com/sharepoint/v3/contenttype/forms">
+  <Display>DocumentLibraryForm</Display>
+  <Edit>DocumentLibraryForm</Edit>
+  <New>DocumentLibraryForm</New>
+</FormTemplates>
+</file>
+
+<file path=customXml/item2.xml><?xml version="1.0" encoding="utf-8"?>
 <ct:contentTypeSchema xmlns:ct="http://schemas.microsoft.com/office/2006/metadata/contentType" xmlns:ma="http://schemas.microsoft.com/office/2006/metadata/properties/metaAttributes" ct:_="" ma:_="" ma:contentTypeName="Document" ma:contentTypeID="0x01010079F111ED35F8CC479449609E8A0923A6" ma:contentTypeVersion="11" ma:contentTypeDescription="Create a new document." ma:contentTypeScope="" ma:versionID="96291512c1ee715ab617f4c07df79fc1">
   <xsd:schema xmlns:xsd="http://www.w3.org/2001/XMLSchema" xmlns:xs="http://www.w3.org/2001/XMLSchema" xmlns:p="http://schemas.microsoft.com/office/2006/metadata/properties" xmlns:ns2="71af3243-3dd4-4a8d-8c0d-dd76da1f02a5" xmlns:ns3="16c05727-aa75-4e4a-9b5f-8a80a1165891" targetNamespace="http://schemas.microsoft.com/office/2006/metadata/properties" ma:root="true" ma:fieldsID="8256c27c40ca5c40ce1cf6c44f0205df" ns2:_="" ns3:_="">
     <xsd:import namespace="71af3243-3dd4-4a8d-8c0d-dd76da1f02a5"/>
@@ -17703,15 +17725,6 @@
 </ct:contentTypeSchema>
 </file>
 
-<file path=customXml/item2.xml><?xml version="1.0" encoding="utf-8"?>
-<?mso-contentType ?>
-<FormTemplates xmlns="http://schemas.microsoft.com/sharepoint/v3/contenttype/forms">
-  <Display>DocumentLibraryForm</Display>
-  <Edit>DocumentLibraryForm</Edit>
-  <New>DocumentLibraryForm</New>
-</FormTemplates>
-</file>
-
 <file path=customXml/item3.xml><?xml version="1.0" encoding="utf-8"?>
 <p:properties xmlns:p="http://schemas.microsoft.com/office/2006/metadata/properties" xmlns:xsi="http://www.w3.org/2001/XMLSchema-instance" xmlns:pc="http://schemas.microsoft.com/office/infopath/2007/PartnerControls">
   <documentManagement>
@@ -17721,6 +17734,14 @@
 </file>
 
 <file path=customXml/itemProps1.xml><?xml version="1.0" encoding="utf-8"?>
+<ds:datastoreItem xmlns:ds="http://schemas.openxmlformats.org/officeDocument/2006/customXml" ds:itemID="{604BA817-A03C-4EA3-86C4-6E42BD37F523}">
+  <ds:schemaRefs>
+    <ds:schemaRef ds:uri="http://schemas.microsoft.com/sharepoint/v3/contenttype/forms"/>
+  </ds:schemaRefs>
+</ds:datastoreItem>
+</file>
+
+<file path=customXml/itemProps2.xml><?xml version="1.0" encoding="utf-8"?>
 <ds:datastoreItem xmlns:ds="http://schemas.openxmlformats.org/officeDocument/2006/customXml" ds:itemID="{19E59094-1E6F-42D5-A62B-D0344AFFFACC}">
   <ds:schemaRefs>
     <ds:schemaRef ds:uri="http://schemas.microsoft.com/office/2006/metadata/contentType"/>
@@ -17739,14 +17760,6 @@
 </ds:datastoreItem>
 </file>
 
-<file path=customXml/itemProps2.xml><?xml version="1.0" encoding="utf-8"?>
-<ds:datastoreItem xmlns:ds="http://schemas.openxmlformats.org/officeDocument/2006/customXml" ds:itemID="{604BA817-A03C-4EA3-86C4-6E42BD37F523}">
-  <ds:schemaRefs>
-    <ds:schemaRef ds:uri="http://schemas.microsoft.com/sharepoint/v3/contenttype/forms"/>
-  </ds:schemaRefs>
-</ds:datastoreItem>
-</file>
-
 <file path=customXml/itemProps3.xml><?xml version="1.0" encoding="utf-8"?>
 <ds:datastoreItem xmlns:ds="http://schemas.openxmlformats.org/officeDocument/2006/customXml" ds:itemID="{D0096A91-93C8-4C7A-BF68-944591874A6D}">
   <ds:schemaRefs>
